--- a/APRESENTAÇÃO/Sprint 1 ATUALIZADO 1 [Salvo automaticamente].pptx
+++ b/APRESENTAÇÃO/Sprint 1 ATUALIZADO 1 [Salvo automaticamente].pptx
@@ -7538,6 +7538,7 @@
       <p:sp>
         <p:nvSpPr>
           <p:cNvPr id="2" name="Retângulo: Cantos Arredondados 1">
+            <a:hlinkClick r:id="rId3" action="ppaction://hlinkfile"/>
             <a:extLst>
               <a:ext uri="{FF2B5EF4-FFF2-40B4-BE49-F238E27FC236}">
                 <a16:creationId xmlns:a16="http://schemas.microsoft.com/office/drawing/2014/main" id="{3C1CAF08-13B9-48BA-A271-8CE5B568A664}"/>
@@ -7597,46 +7598,10 @@
       <p:pic>
         <p:nvPicPr>
           <p:cNvPr id="21" name="Imagem 20" descr="Uma imagem contendo brinquedo, lego, relógio&#10;&#10;Descrição gerada automaticamente">
-            <a:hlinkClick r:id="rId3" action="ppaction://hlinksldjump"/>
+            <a:hlinkClick r:id="rId4" action="ppaction://hlinksldjump"/>
             <a:extLst>
               <a:ext uri="{FF2B5EF4-FFF2-40B4-BE49-F238E27FC236}">
                 <a16:creationId xmlns:a16="http://schemas.microsoft.com/office/drawing/2014/main" id="{4965E1D3-0FC1-4744-A8F4-8AF42AC5C028}"/>
-              </a:ext>
-            </a:extLst>
-          </p:cNvPr>
-          <p:cNvPicPr>
-            <a:picLocks noChangeAspect="1"/>
-          </p:cNvPicPr>
-          <p:nvPr/>
-        </p:nvPicPr>
-        <p:blipFill>
-          <a:blip r:embed="rId4">
-            <a:extLst>
-              <a:ext uri="{28A0092B-C50C-407E-A947-70E740481C1C}">
-                <a14:useLocalDpi xmlns:a14="http://schemas.microsoft.com/office/drawing/2010/main" val="0"/>
-              </a:ext>
-            </a:extLst>
-          </a:blip>
-          <a:stretch>
-            <a:fillRect/>
-          </a:stretch>
-        </p:blipFill>
-        <p:spPr>
-          <a:xfrm>
-            <a:off x="11066616" y="6107744"/>
-            <a:ext cx="1125384" cy="750256"/>
-          </a:xfrm>
-          <a:prstGeom prst="rect">
-            <a:avLst/>
-          </a:prstGeom>
-        </p:spPr>
-      </p:pic>
-      <p:pic>
-        <p:nvPicPr>
-          <p:cNvPr id="5" name="Imagem 4" descr="Tela preta com letras brancas&#10;&#10;Descrição gerada automaticamente">
-            <a:extLst>
-              <a:ext uri="{FF2B5EF4-FFF2-40B4-BE49-F238E27FC236}">
-                <a16:creationId xmlns:a16="http://schemas.microsoft.com/office/drawing/2014/main" id="{E74DCA59-C5B2-41C9-BDD7-9DDE86AD165D}"/>
               </a:ext>
             </a:extLst>
           </p:cNvPr>
@@ -7647,6 +7612,43 @@
         </p:nvPicPr>
         <p:blipFill>
           <a:blip r:embed="rId5">
+            <a:extLst>
+              <a:ext uri="{28A0092B-C50C-407E-A947-70E740481C1C}">
+                <a14:useLocalDpi xmlns:a14="http://schemas.microsoft.com/office/drawing/2010/main" val="0"/>
+              </a:ext>
+            </a:extLst>
+          </a:blip>
+          <a:stretch>
+            <a:fillRect/>
+          </a:stretch>
+        </p:blipFill>
+        <p:spPr>
+          <a:xfrm>
+            <a:off x="11066616" y="6107744"/>
+            <a:ext cx="1125384" cy="750256"/>
+          </a:xfrm>
+          <a:prstGeom prst="rect">
+            <a:avLst/>
+          </a:prstGeom>
+        </p:spPr>
+      </p:pic>
+      <p:pic>
+        <p:nvPicPr>
+          <p:cNvPr id="5" name="Imagem 4" descr="Tela preta com letras brancas&#10;&#10;Descrição gerada automaticamente">
+            <a:hlinkClick r:id="rId3" action="ppaction://hlinkfile"/>
+            <a:extLst>
+              <a:ext uri="{FF2B5EF4-FFF2-40B4-BE49-F238E27FC236}">
+                <a16:creationId xmlns:a16="http://schemas.microsoft.com/office/drawing/2014/main" id="{E74DCA59-C5B2-41C9-BDD7-9DDE86AD165D}"/>
+              </a:ext>
+            </a:extLst>
+          </p:cNvPr>
+          <p:cNvPicPr>
+            <a:picLocks noChangeAspect="1"/>
+          </p:cNvPicPr>
+          <p:nvPr/>
+        </p:nvPicPr>
+        <p:blipFill>
+          <a:blip r:embed="rId6">
             <a:extLst>
               <a:ext uri="{28A0092B-C50C-407E-A947-70E740481C1C}">
                 <a14:useLocalDpi xmlns:a14="http://schemas.microsoft.com/office/drawing/2010/main" val="0"/>
@@ -8404,11 +8406,11 @@
       </p:pic>
       <p:pic>
         <p:nvPicPr>
-          <p:cNvPr id="5" name="Imagem 4" descr="Tela de celular com texto preto sobre fundo branco&#10;&#10;Descrição gerada automaticamente">
+          <p:cNvPr id="4" name="Imagem 3" descr="Uma imagem contendo screenshot, texto&#10;&#10;Descrição gerada automaticamente">
             <a:hlinkClick r:id="rId3" action="ppaction://hlinkfile"/>
             <a:extLst>
               <a:ext uri="{FF2B5EF4-FFF2-40B4-BE49-F238E27FC236}">
-                <a16:creationId xmlns:a16="http://schemas.microsoft.com/office/drawing/2014/main" id="{9FFC1D32-51B2-4243-975D-D0521CA758A2}"/>
+                <a16:creationId xmlns:a16="http://schemas.microsoft.com/office/drawing/2014/main" id="{6988296E-2A6C-441F-AE16-CE5CD8DD40A5}"/>
               </a:ext>
             </a:extLst>
           </p:cNvPr>
@@ -8431,8 +8433,8 @@
         </p:blipFill>
         <p:spPr>
           <a:xfrm>
-            <a:off x="2637182" y="2068170"/>
-            <a:ext cx="6538122" cy="5018769"/>
+            <a:off x="1877485" y="2198959"/>
+            <a:ext cx="9221236" cy="6002140"/>
           </a:xfrm>
           <a:prstGeom prst="rect">
             <a:avLst/>
@@ -10206,7 +10208,7 @@
         </p:nvSpPr>
         <p:spPr>
           <a:xfrm>
-            <a:off x="940904" y="2398643"/>
+            <a:off x="1157494" y="2611543"/>
             <a:ext cx="5857461" cy="923330"/>
           </a:xfrm>
           <a:prstGeom prst="rect">

--- a/APRESENTAÇÃO/Sprint 1 ATUALIZADO 1 [Salvo automaticamente].pptx
+++ b/APRESENTAÇÃO/Sprint 1 ATUALIZADO 1 [Salvo automaticamente].pptx
@@ -9779,6 +9779,96 @@
           </a:p>
         </p:txBody>
       </p:sp>
+      <p:sp>
+        <p:nvSpPr>
+          <p:cNvPr id="5" name="CaixaDeTexto 4">
+            <a:extLst>
+              <a:ext uri="{FF2B5EF4-FFF2-40B4-BE49-F238E27FC236}">
+                <a16:creationId xmlns:a16="http://schemas.microsoft.com/office/drawing/2014/main" id="{C988F6C2-DC7F-4073-9B2A-AC7A9011F07E}"/>
+              </a:ext>
+            </a:extLst>
+          </p:cNvPr>
+          <p:cNvSpPr txBox="1"/>
+          <p:nvPr/>
+        </p:nvSpPr>
+        <p:spPr>
+          <a:xfrm>
+            <a:off x="1060621" y="6214449"/>
+            <a:ext cx="10070757" cy="369332"/>
+          </a:xfrm>
+          <a:prstGeom prst="rect">
+            <a:avLst/>
+          </a:prstGeom>
+          <a:noFill/>
+        </p:spPr>
+        <p:txBody>
+          <a:bodyPr wrap="square" rtlCol="0">
+            <a:spAutoFit/>
+          </a:bodyPr>
+          <a:lstStyle/>
+          <a:p>
+            <a:r>
+              <a:rPr lang="pt-BR" dirty="0">
+                <a:solidFill>
+                  <a:schemeClr val="accent5"/>
+                </a:solidFill>
+                <a:hlinkClick r:id="rId5">
+                  <a:extLst>
+                    <a:ext uri="{A12FA001-AC4F-418D-AE19-62706E023703}">
+                      <ahyp:hlinkClr xmlns:ahyp="http://schemas.microsoft.com/office/drawing/2018/hyperlinkcolor" val="tx"/>
+                    </a:ext>
+                  </a:extLst>
+                </a:hlinkClick>
+              </a:rPr>
+              <a:t>https://exame.abril.com.br/economia/energia-passa-a-ser-2a-maior-despesa-de-supermercados/</a:t>
+            </a:r>
+            <a:endParaRPr lang="pt-BR" dirty="0">
+              <a:solidFill>
+                <a:schemeClr val="accent5"/>
+              </a:solidFill>
+            </a:endParaRPr>
+          </a:p>
+        </p:txBody>
+      </p:sp>
+      <p:pic>
+        <p:nvPicPr>
+          <p:cNvPr id="9" name="Gráfico 8" descr="Dedo indicador apontando para a direita">
+            <a:extLst>
+              <a:ext uri="{FF2B5EF4-FFF2-40B4-BE49-F238E27FC236}">
+                <a16:creationId xmlns:a16="http://schemas.microsoft.com/office/drawing/2014/main" id="{E97F040F-52D4-499A-BF39-47B674E46D54}"/>
+              </a:ext>
+            </a:extLst>
+          </p:cNvPr>
+          <p:cNvPicPr>
+            <a:picLocks noChangeAspect="1"/>
+          </p:cNvPicPr>
+          <p:nvPr/>
+        </p:nvPicPr>
+        <p:blipFill>
+          <a:blip r:embed="rId6">
+            <a:extLst>
+              <a:ext uri="{28A0092B-C50C-407E-A947-70E740481C1C}">
+                <a14:useLocalDpi xmlns:a14="http://schemas.microsoft.com/office/drawing/2010/main" val="0"/>
+              </a:ext>
+              <a:ext uri="{96DAC541-7B7A-43D3-8B79-37D633B846F1}">
+                <asvg:svgBlip xmlns:asvg="http://schemas.microsoft.com/office/drawing/2016/SVG/main" r:embed="rId7"/>
+              </a:ext>
+            </a:extLst>
+          </a:blip>
+          <a:stretch>
+            <a:fillRect/>
+          </a:stretch>
+        </p:blipFill>
+        <p:spPr>
+          <a:xfrm>
+            <a:off x="270274" y="6120041"/>
+            <a:ext cx="725585" cy="725585"/>
+          </a:xfrm>
+          <a:prstGeom prst="rect">
+            <a:avLst/>
+          </a:prstGeom>
+        </p:spPr>
+      </p:pic>
     </p:spTree>
     <p:extLst>
       <p:ext uri="{BB962C8B-B14F-4D97-AF65-F5344CB8AC3E}">
@@ -10206,7 +10296,7 @@
         </p:nvSpPr>
         <p:spPr>
           <a:xfrm>
-            <a:off x="940904" y="2398643"/>
+            <a:off x="940904" y="2505670"/>
             <a:ext cx="5857461" cy="923330"/>
           </a:xfrm>
           <a:prstGeom prst="rect">
@@ -10226,7 +10316,7 @@
             </a:pPr>
             <a:r>
               <a:rPr lang="pt-BR" b="1" dirty="0"/>
-              <a:t>40% gasto de forma desnecessária </a:t>
+              <a:t>40% gasto são com iluminação </a:t>
             </a:r>
           </a:p>
           <a:p>
@@ -10237,17 +10327,99 @@
             <a:endParaRPr lang="pt-BR" b="1" dirty="0"/>
           </a:p>
           <a:p>
-            <a:pPr marL="285750" indent="-285750">
-              <a:buFont typeface="Arial" panose="020B0604020202020204" pitchFamily="34" charset="0"/>
-              <a:buChar char="•"/>
-            </a:pPr>
-            <a:r>
-              <a:rPr lang="pt-BR" b="1" dirty="0"/>
-              <a:t>24% é destinada a luminosidade </a:t>
-            </a:r>
-          </a:p>
-        </p:txBody>
-      </p:sp>
+            <a:endParaRPr lang="pt-BR" b="1" dirty="0"/>
+          </a:p>
+        </p:txBody>
+      </p:sp>
+      <p:sp>
+        <p:nvSpPr>
+          <p:cNvPr id="5" name="Retângulo 4">
+            <a:extLst>
+              <a:ext uri="{FF2B5EF4-FFF2-40B4-BE49-F238E27FC236}">
+                <a16:creationId xmlns:a16="http://schemas.microsoft.com/office/drawing/2014/main" id="{85AD5950-6C29-4D6D-936D-4189538D4B8B}"/>
+              </a:ext>
+            </a:extLst>
+          </p:cNvPr>
+          <p:cNvSpPr/>
+          <p:nvPr/>
+        </p:nvSpPr>
+        <p:spPr>
+          <a:xfrm>
+            <a:off x="940904" y="6227473"/>
+            <a:ext cx="9852455" cy="369332"/>
+          </a:xfrm>
+          <a:prstGeom prst="rect">
+            <a:avLst/>
+          </a:prstGeom>
+        </p:spPr>
+        <p:txBody>
+          <a:bodyPr wrap="square">
+            <a:spAutoFit/>
+          </a:bodyPr>
+          <a:lstStyle/>
+          <a:p>
+            <a:r>
+              <a:rPr lang="pt-BR" dirty="0">
+                <a:solidFill>
+                  <a:schemeClr val="accent5"/>
+                </a:solidFill>
+                <a:hlinkClick r:id="rId5">
+                  <a:extLst>
+                    <a:ext uri="{A12FA001-AC4F-418D-AE19-62706E023703}">
+                      <ahyp:hlinkClr xmlns:ahyp="http://schemas.microsoft.com/office/drawing/2018/hyperlinkcolor" val="tx"/>
+                    </a:ext>
+                  </a:extLst>
+                </a:hlinkClick>
+              </a:rPr>
+              <a:t>https://exame.abril.com.br/economia/energia-passa-a-ser-2a-maior-despesa-de-supermercados/</a:t>
+            </a:r>
+            <a:endParaRPr lang="pt-BR" dirty="0">
+              <a:solidFill>
+                <a:schemeClr val="accent5"/>
+              </a:solidFill>
+            </a:endParaRPr>
+          </a:p>
+        </p:txBody>
+      </p:sp>
+      <p:pic>
+        <p:nvPicPr>
+          <p:cNvPr id="12" name="Gráfico 11" descr="Dedo indicador apontando para a direita">
+            <a:extLst>
+              <a:ext uri="{FF2B5EF4-FFF2-40B4-BE49-F238E27FC236}">
+                <a16:creationId xmlns:a16="http://schemas.microsoft.com/office/drawing/2014/main" id="{CCA9093A-26B2-4165-A0CC-3CEF0DE9EE6A}"/>
+              </a:ext>
+            </a:extLst>
+          </p:cNvPr>
+          <p:cNvPicPr>
+            <a:picLocks noChangeAspect="1"/>
+          </p:cNvPicPr>
+          <p:nvPr/>
+        </p:nvPicPr>
+        <p:blipFill>
+          <a:blip r:embed="rId6">
+            <a:extLst>
+              <a:ext uri="{28A0092B-C50C-407E-A947-70E740481C1C}">
+                <a14:useLocalDpi xmlns:a14="http://schemas.microsoft.com/office/drawing/2010/main" val="0"/>
+              </a:ext>
+              <a:ext uri="{96DAC541-7B7A-43D3-8B79-37D633B846F1}">
+                <asvg:svgBlip xmlns:asvg="http://schemas.microsoft.com/office/drawing/2016/SVG/main" r:embed="rId7"/>
+              </a:ext>
+            </a:extLst>
+          </a:blip>
+          <a:stretch>
+            <a:fillRect/>
+          </a:stretch>
+        </p:blipFill>
+        <p:spPr>
+          <a:xfrm>
+            <a:off x="270274" y="6120041"/>
+            <a:ext cx="725585" cy="725585"/>
+          </a:xfrm>
+          <a:prstGeom prst="rect">
+            <a:avLst/>
+          </a:prstGeom>
+        </p:spPr>
+      </p:pic>
     </p:spTree>
     <p:extLst>
       <p:ext uri="{BB962C8B-B14F-4D97-AF65-F5344CB8AC3E}">
@@ -11946,6 +12118,95 @@
           </a:prstGeom>
         </p:spPr>
       </p:pic>
+      <p:pic>
+        <p:nvPicPr>
+          <p:cNvPr id="10" name="Gráfico 9" descr="Dedo indicador apontando para a direita">
+            <a:extLst>
+              <a:ext uri="{FF2B5EF4-FFF2-40B4-BE49-F238E27FC236}">
+                <a16:creationId xmlns:a16="http://schemas.microsoft.com/office/drawing/2014/main" id="{96097265-992F-4F0C-8CA7-000EB60F3AB2}"/>
+              </a:ext>
+            </a:extLst>
+          </p:cNvPr>
+          <p:cNvPicPr>
+            <a:picLocks noChangeAspect="1"/>
+          </p:cNvPicPr>
+          <p:nvPr/>
+        </p:nvPicPr>
+        <p:blipFill>
+          <a:blip r:embed="rId7">
+            <a:extLst>
+              <a:ext uri="{28A0092B-C50C-407E-A947-70E740481C1C}">
+                <a14:useLocalDpi xmlns:a14="http://schemas.microsoft.com/office/drawing/2010/main" val="0"/>
+              </a:ext>
+              <a:ext uri="{96DAC541-7B7A-43D3-8B79-37D633B846F1}">
+                <asvg:svgBlip xmlns:asvg="http://schemas.microsoft.com/office/drawing/2016/SVG/main" r:embed="rId8"/>
+              </a:ext>
+            </a:extLst>
+          </a:blip>
+          <a:stretch>
+            <a:fillRect/>
+          </a:stretch>
+        </p:blipFill>
+        <p:spPr>
+          <a:xfrm>
+            <a:off x="270274" y="6120041"/>
+            <a:ext cx="725585" cy="725585"/>
+          </a:xfrm>
+          <a:prstGeom prst="rect">
+            <a:avLst/>
+          </a:prstGeom>
+        </p:spPr>
+      </p:pic>
+      <p:sp>
+        <p:nvSpPr>
+          <p:cNvPr id="3" name="Retângulo 2">
+            <a:extLst>
+              <a:ext uri="{FF2B5EF4-FFF2-40B4-BE49-F238E27FC236}">
+                <a16:creationId xmlns:a16="http://schemas.microsoft.com/office/drawing/2014/main" id="{7009FCC0-D42A-4377-8384-9AE6471D39DC}"/>
+              </a:ext>
+            </a:extLst>
+          </p:cNvPr>
+          <p:cNvSpPr/>
+          <p:nvPr/>
+        </p:nvSpPr>
+        <p:spPr>
+          <a:xfrm>
+            <a:off x="895176" y="6217733"/>
+            <a:ext cx="5038815" cy="369332"/>
+          </a:xfrm>
+          <a:prstGeom prst="rect">
+            <a:avLst/>
+          </a:prstGeom>
+        </p:spPr>
+        <p:txBody>
+          <a:bodyPr wrap="none">
+            <a:spAutoFit/>
+          </a:bodyPr>
+          <a:lstStyle/>
+          <a:p>
+            <a:r>
+              <a:rPr lang="pt-BR" dirty="0">
+                <a:solidFill>
+                  <a:schemeClr val="accent5"/>
+                </a:solidFill>
+                <a:hlinkClick r:id="rId9">
+                  <a:extLst>
+                    <a:ext uri="{A12FA001-AC4F-418D-AE19-62706E023703}">
+                      <ahyp:hlinkClr xmlns:ahyp="http://schemas.microsoft.com/office/drawing/2018/hyperlinkcolor" val="tx"/>
+                    </a:ext>
+                  </a:extLst>
+                </a:hlinkClick>
+              </a:rPr>
+              <a:t>https://www.chatron.pt/pt/tubo-solar/tubo-solar-2</a:t>
+            </a:r>
+            <a:endParaRPr lang="pt-BR" dirty="0">
+              <a:solidFill>
+                <a:schemeClr val="accent5"/>
+              </a:solidFill>
+            </a:endParaRPr>
+          </a:p>
+        </p:txBody>
+      </p:sp>
     </p:spTree>
     <p:extLst>
       <p:ext uri="{BB962C8B-B14F-4D97-AF65-F5344CB8AC3E}">

--- a/APRESENTAÇÃO/Sprint 1 ATUALIZADO 1 [Salvo automaticamente].pptx
+++ b/APRESENTAÇÃO/Sprint 1 ATUALIZADO 1 [Salvo automaticamente].pptx
@@ -7549,7 +7549,7 @@
         </p:nvSpPr>
         <p:spPr>
           <a:xfrm>
-            <a:off x="3612243" y="1279692"/>
+            <a:off x="3612243" y="855296"/>
             <a:ext cx="4967514" cy="664797"/>
           </a:xfrm>
           <a:prstGeom prst="roundRect">
@@ -7659,8 +7659,44 @@
         </p:blipFill>
         <p:spPr>
           <a:xfrm>
-            <a:off x="340778" y="2368884"/>
-            <a:ext cx="11510444" cy="2835906"/>
+            <a:off x="540611" y="4074137"/>
+            <a:ext cx="10526005" cy="2593363"/>
+          </a:xfrm>
+          <a:prstGeom prst="rect">
+            <a:avLst/>
+          </a:prstGeom>
+        </p:spPr>
+      </p:pic>
+      <p:pic>
+        <p:nvPicPr>
+          <p:cNvPr id="4" name="Imagem 3">
+            <a:extLst>
+              <a:ext uri="{FF2B5EF4-FFF2-40B4-BE49-F238E27FC236}">
+                <a16:creationId xmlns:a16="http://schemas.microsoft.com/office/drawing/2014/main" id="{A2F4AC96-814C-466A-A009-A8A0FFC540C5}"/>
+              </a:ext>
+            </a:extLst>
+          </p:cNvPr>
+          <p:cNvPicPr>
+            <a:picLocks noChangeAspect="1"/>
+          </p:cNvPicPr>
+          <p:nvPr/>
+        </p:nvPicPr>
+        <p:blipFill>
+          <a:blip r:embed="rId6">
+            <a:extLst>
+              <a:ext uri="{28A0092B-C50C-407E-A947-70E740481C1C}">
+                <a14:useLocalDpi xmlns:a14="http://schemas.microsoft.com/office/drawing/2010/main" val="0"/>
+              </a:ext>
+            </a:extLst>
+          </a:blip>
+          <a:stretch>
+            <a:fillRect/>
+          </a:stretch>
+        </p:blipFill>
+        <p:spPr>
+          <a:xfrm>
+            <a:off x="540611" y="1739727"/>
+            <a:ext cx="10526005" cy="2143910"/>
           </a:xfrm>
           <a:prstGeom prst="rect">
             <a:avLst/>

--- a/APRESENTAÇÃO/Sprint 1 ATUALIZADO 1 [Salvo automaticamente].pptx
+++ b/APRESENTAÇÃO/Sprint 1 ATUALIZADO 1 [Salvo automaticamente].pptx
@@ -7538,6 +7538,7 @@
       <p:sp>
         <p:nvSpPr>
           <p:cNvPr id="2" name="Retângulo: Cantos Arredondados 1">
+            <a:hlinkClick r:id="rId3" action="ppaction://hlinkfile"/>
             <a:extLst>
               <a:ext uri="{FF2B5EF4-FFF2-40B4-BE49-F238E27FC236}">
                 <a16:creationId xmlns:a16="http://schemas.microsoft.com/office/drawing/2014/main" id="{3C1CAF08-13B9-48BA-A271-8CE5B568A664}"/>
@@ -7597,46 +7598,10 @@
       <p:pic>
         <p:nvPicPr>
           <p:cNvPr id="21" name="Imagem 20" descr="Uma imagem contendo brinquedo, lego, relógio&#10;&#10;Descrição gerada automaticamente">
-            <a:hlinkClick r:id="rId3" action="ppaction://hlinksldjump"/>
+            <a:hlinkClick r:id="rId4" action="ppaction://hlinksldjump"/>
             <a:extLst>
               <a:ext uri="{FF2B5EF4-FFF2-40B4-BE49-F238E27FC236}">
                 <a16:creationId xmlns:a16="http://schemas.microsoft.com/office/drawing/2014/main" id="{4965E1D3-0FC1-4744-A8F4-8AF42AC5C028}"/>
-              </a:ext>
-            </a:extLst>
-          </p:cNvPr>
-          <p:cNvPicPr>
-            <a:picLocks noChangeAspect="1"/>
-          </p:cNvPicPr>
-          <p:nvPr/>
-        </p:nvPicPr>
-        <p:blipFill>
-          <a:blip r:embed="rId4">
-            <a:extLst>
-              <a:ext uri="{28A0092B-C50C-407E-A947-70E740481C1C}">
-                <a14:useLocalDpi xmlns:a14="http://schemas.microsoft.com/office/drawing/2010/main" val="0"/>
-              </a:ext>
-            </a:extLst>
-          </a:blip>
-          <a:stretch>
-            <a:fillRect/>
-          </a:stretch>
-        </p:blipFill>
-        <p:spPr>
-          <a:xfrm>
-            <a:off x="11066616" y="6107744"/>
-            <a:ext cx="1125384" cy="750256"/>
-          </a:xfrm>
-          <a:prstGeom prst="rect">
-            <a:avLst/>
-          </a:prstGeom>
-        </p:spPr>
-      </p:pic>
-      <p:pic>
-        <p:nvPicPr>
-          <p:cNvPr id="5" name="Imagem 4" descr="Tela preta com letras brancas&#10;&#10;Descrição gerada automaticamente">
-            <a:extLst>
-              <a:ext uri="{FF2B5EF4-FFF2-40B4-BE49-F238E27FC236}">
-                <a16:creationId xmlns:a16="http://schemas.microsoft.com/office/drawing/2014/main" id="{E74DCA59-C5B2-41C9-BDD7-9DDE86AD165D}"/>
               </a:ext>
             </a:extLst>
           </p:cNvPr>
@@ -7659,8 +7624,8 @@
         </p:blipFill>
         <p:spPr>
           <a:xfrm>
-            <a:off x="540611" y="4074137"/>
-            <a:ext cx="10526005" cy="2593363"/>
+            <a:off x="11066616" y="6107744"/>
+            <a:ext cx="1125384" cy="750256"/>
           </a:xfrm>
           <a:prstGeom prst="rect">
             <a:avLst/>
@@ -7669,10 +7634,11 @@
       </p:pic>
       <p:pic>
         <p:nvPicPr>
-          <p:cNvPr id="4" name="Imagem 3">
-            <a:extLst>
-              <a:ext uri="{FF2B5EF4-FFF2-40B4-BE49-F238E27FC236}">
-                <a16:creationId xmlns:a16="http://schemas.microsoft.com/office/drawing/2014/main" id="{A2F4AC96-814C-466A-A009-A8A0FFC540C5}"/>
+          <p:cNvPr id="5" name="Imagem 4" descr="Tela preta com letras brancas&#10;&#10;Descrição gerada automaticamente">
+            <a:hlinkClick r:id="rId3" action="ppaction://hlinkfile"/>
+            <a:extLst>
+              <a:ext uri="{FF2B5EF4-FFF2-40B4-BE49-F238E27FC236}">
+                <a16:creationId xmlns:a16="http://schemas.microsoft.com/office/drawing/2014/main" id="{E74DCA59-C5B2-41C9-BDD7-9DDE86AD165D}"/>
               </a:ext>
             </a:extLst>
           </p:cNvPr>
@@ -7683,6 +7649,43 @@
         </p:nvPicPr>
         <p:blipFill>
           <a:blip r:embed="rId6">
+            <a:extLst>
+              <a:ext uri="{28A0092B-C50C-407E-A947-70E740481C1C}">
+                <a14:useLocalDpi xmlns:a14="http://schemas.microsoft.com/office/drawing/2010/main" val="0"/>
+              </a:ext>
+            </a:extLst>
+          </a:blip>
+          <a:stretch>
+            <a:fillRect/>
+          </a:stretch>
+        </p:blipFill>
+        <p:spPr>
+          <a:xfrm>
+            <a:off x="540611" y="4074137"/>
+            <a:ext cx="10526005" cy="2593363"/>
+          </a:xfrm>
+          <a:prstGeom prst="rect">
+            <a:avLst/>
+          </a:prstGeom>
+        </p:spPr>
+      </p:pic>
+      <p:pic>
+        <p:nvPicPr>
+          <p:cNvPr id="4" name="Imagem 3">
+            <a:hlinkClick r:id="rId3" action="ppaction://hlinkfile"/>
+            <a:extLst>
+              <a:ext uri="{FF2B5EF4-FFF2-40B4-BE49-F238E27FC236}">
+                <a16:creationId xmlns:a16="http://schemas.microsoft.com/office/drawing/2014/main" id="{A2F4AC96-814C-466A-A009-A8A0FFC540C5}"/>
+              </a:ext>
+            </a:extLst>
+          </p:cNvPr>
+          <p:cNvPicPr>
+            <a:picLocks noChangeAspect="1"/>
+          </p:cNvPicPr>
+          <p:nvPr/>
+        </p:nvPicPr>
+        <p:blipFill>
+          <a:blip r:embed="rId7">
             <a:extLst>
               <a:ext uri="{28A0092B-C50C-407E-A947-70E740481C1C}">
                 <a14:useLocalDpi xmlns:a14="http://schemas.microsoft.com/office/drawing/2010/main" val="0"/>
@@ -8440,11 +8443,11 @@
       </p:pic>
       <p:pic>
         <p:nvPicPr>
-          <p:cNvPr id="5" name="Imagem 4" descr="Tela de celular com texto preto sobre fundo branco&#10;&#10;Descrição gerada automaticamente">
+          <p:cNvPr id="9" name="Imagem 8" descr="Uma imagem contendo screenshot, texto&#10;&#10;Descrição gerada automaticamente">
             <a:hlinkClick r:id="rId3" action="ppaction://hlinkfile"/>
             <a:extLst>
               <a:ext uri="{FF2B5EF4-FFF2-40B4-BE49-F238E27FC236}">
-                <a16:creationId xmlns:a16="http://schemas.microsoft.com/office/drawing/2014/main" id="{9FFC1D32-51B2-4243-975D-D0521CA758A2}"/>
+                <a16:creationId xmlns:a16="http://schemas.microsoft.com/office/drawing/2014/main" id="{140980E5-63ED-417D-8979-B99F2F41E941}"/>
               </a:ext>
             </a:extLst>
           </p:cNvPr>
@@ -8467,8 +8470,8 @@
         </p:blipFill>
         <p:spPr>
           <a:xfrm>
-            <a:off x="2637182" y="2068170"/>
-            <a:ext cx="6538122" cy="5018769"/>
+            <a:off x="1886619" y="2173609"/>
+            <a:ext cx="8418761" cy="5479805"/>
           </a:xfrm>
           <a:prstGeom prst="rect">
             <a:avLst/>
@@ -10820,7 +10823,7 @@
         <p:spPr>
           <a:xfrm>
             <a:off x="940903" y="2796209"/>
-            <a:ext cx="8772939" cy="3262432"/>
+            <a:ext cx="8772939" cy="2431435"/>
           </a:xfrm>
           <a:prstGeom prst="rect">
             <a:avLst/>
@@ -10850,37 +10853,6 @@
             <a:endParaRPr lang="pt-BR" sz="2400" b="1" dirty="0"/>
           </a:p>
           <a:p>
-            <a:pPr marL="285750" indent="-285750">
-              <a:buFont typeface="Arial" panose="020B0604020202020204" pitchFamily="34" charset="0"/>
-              <a:buChar char="•"/>
-            </a:pPr>
-            <a:r>
-              <a:rPr lang="pt-BR" b="1" dirty="0"/>
-              <a:t>Empresa EVA.</a:t>
-            </a:r>
-          </a:p>
-          <a:p>
-            <a:pPr marL="285750" indent="-285750">
-              <a:buFont typeface="Arial" panose="020B0604020202020204" pitchFamily="34" charset="0"/>
-              <a:buChar char="•"/>
-            </a:pPr>
-            <a:endParaRPr lang="pt-BR" b="1" dirty="0"/>
-          </a:p>
-          <a:p>
-            <a:pPr marL="285750" indent="-285750">
-              <a:buFont typeface="Arial" panose="020B0604020202020204" pitchFamily="34" charset="0"/>
-              <a:buChar char="•"/>
-            </a:pPr>
-            <a:r>
-              <a:rPr lang="pt-BR" b="1" dirty="0"/>
-              <a:t>Que tem como seu principal objetivo a economia de energia elétrica.</a:t>
-            </a:r>
-          </a:p>
-          <a:p>
-            <a:pPr marL="285750" indent="-285750">
-              <a:buFont typeface="Arial" panose="020B0604020202020204" pitchFamily="34" charset="0"/>
-              <a:buChar char="•"/>
-            </a:pPr>
             <a:endParaRPr lang="pt-BR" sz="2400" b="1" dirty="0"/>
           </a:p>
           <a:p>

--- a/APRESENTAÇÃO/Sprint 1 ATUALIZADO 1 [Salvo automaticamente].pptx
+++ b/APRESENTAÇÃO/Sprint 1 ATUALIZADO 1 [Salvo automaticamente].pptx
@@ -8396,11 +8396,14 @@
           <a:p>
             <a:pPr algn="ctr" rtl="0"/>
             <a:r>
-              <a:rPr lang="pt-BR" b="1" dirty="0">
+              <a:rPr lang="pt-BR" b="1">
                 <a:latin typeface="+mj-lt"/>
               </a:rPr>
-              <a:t>Arduino </a:t>
-            </a:r>
+              <a:t>Arduino- Sensor LDR</a:t>
+            </a:r>
+            <a:endParaRPr lang="pt-BR" b="1" dirty="0">
+              <a:latin typeface="+mj-lt"/>
+            </a:endParaRPr>
           </a:p>
         </p:txBody>
       </p:sp>
@@ -10355,7 +10358,15 @@
             </a:pPr>
             <a:r>
               <a:rPr lang="pt-BR" b="1" dirty="0"/>
-              <a:t>40% gasto são com iluminação </a:t>
+              <a:t>40</a:t>
+            </a:r>
+            <a:r>
+              <a:rPr lang="pt-BR" b="1"/>
+              <a:t>% gastos </a:t>
+            </a:r>
+            <a:r>
+              <a:rPr lang="pt-BR" b="1" dirty="0"/>
+              <a:t>são com iluminação </a:t>
             </a:r>
           </a:p>
           <a:p>

--- a/APRESENTAÇÃO/Sprint 1 ATUALIZADO 1 [Salvo automaticamente].pptx
+++ b/APRESENTAÇÃO/Sprint 1 ATUALIZADO 1 [Salvo automaticamente].pptx
@@ -15,9 +15,9 @@
     <p:sldId id="301" r:id="rId3"/>
     <p:sldId id="303" r:id="rId4"/>
     <p:sldId id="290" r:id="rId5"/>
-    <p:sldId id="297" r:id="rId6"/>
+    <p:sldId id="299" r:id="rId6"/>
     <p:sldId id="300" r:id="rId7"/>
-    <p:sldId id="299" r:id="rId8"/>
+    <p:sldId id="297" r:id="rId8"/>
     <p:sldId id="298" r:id="rId9"/>
     <p:sldId id="291" r:id="rId10"/>
     <p:sldId id="292" r:id="rId11"/>
@@ -262,7 +262,7 @@
             <a:pPr rtl="0"/>
             <a:fld id="{48348F61-903F-4A92-BD1D-F4D50DEE5616}" type="datetime1">
               <a:rPr lang="pt-BR" smtClean="0"/>
-              <a:t>11/03/2020</a:t>
+              <a:t>12/03/2020</a:t>
             </a:fld>
             <a:endParaRPr lang="pt-BR" dirty="0"/>
           </a:p>
@@ -443,7 +443,7 @@
             <a:fld id="{7F91DD10-601E-4934-9857-CBBA808B825D}" type="datetime1">
               <a:rPr lang="pt-BR" smtClean="0"/>
               <a:pPr/>
-              <a:t>11/03/2020</a:t>
+              <a:t>12/03/2020</a:t>
             </a:fld>
             <a:endParaRPr lang="pt-BR" dirty="0"/>
           </a:p>
@@ -1649,7 +1649,7 @@
     </p:spTree>
     <p:extLst>
       <p:ext uri="{BB962C8B-B14F-4D97-AF65-F5344CB8AC3E}">
-        <p14:creationId xmlns:p14="http://schemas.microsoft.com/office/powerpoint/2010/main" val="2838876318"/>
+        <p14:creationId xmlns:p14="http://schemas.microsoft.com/office/powerpoint/2010/main" val="2737047202"/>
       </p:ext>
     </p:extLst>
   </p:cSld>
@@ -1821,7 +1821,7 @@
     </p:spTree>
     <p:extLst>
       <p:ext uri="{BB962C8B-B14F-4D97-AF65-F5344CB8AC3E}">
-        <p14:creationId xmlns:p14="http://schemas.microsoft.com/office/powerpoint/2010/main" val="2737047202"/>
+        <p14:creationId xmlns:p14="http://schemas.microsoft.com/office/powerpoint/2010/main" val="2838876318"/>
       </p:ext>
     </p:extLst>
   </p:cSld>
@@ -2155,7 +2155,7 @@
             <a:pPr rtl="0"/>
             <a:fld id="{DCA197FC-5BCA-4F4D-9F82-64AFC200E358}" type="datetime1">
               <a:rPr lang="pt-BR" noProof="0" smtClean="0"/>
-              <a:t>11/03/2020</a:t>
+              <a:t>12/03/2020</a:t>
             </a:fld>
             <a:endParaRPr lang="pt-BR" noProof="0" dirty="0"/>
           </a:p>
@@ -2359,7 +2359,7 @@
             <a:pPr rtl="0"/>
             <a:fld id="{BC604A03-7973-4BC4-9222-74CFA49BB370}" type="datetime1">
               <a:rPr lang="pt-BR" noProof="0" smtClean="0"/>
-              <a:t>11/03/2020</a:t>
+              <a:t>12/03/2020</a:t>
             </a:fld>
             <a:endParaRPr lang="pt-BR" noProof="0" dirty="0"/>
           </a:p>
@@ -2573,7 +2573,7 @@
             <a:pPr rtl="0"/>
             <a:fld id="{2C130B9D-1A45-452F-AC16-D36CD5C4EA6A}" type="datetime1">
               <a:rPr lang="pt-BR" noProof="0" smtClean="0"/>
-              <a:t>11/03/2020</a:t>
+              <a:t>12/03/2020</a:t>
             </a:fld>
             <a:endParaRPr lang="pt-BR" noProof="0" dirty="0"/>
           </a:p>
@@ -2777,7 +2777,7 @@
             <a:pPr rtl="0"/>
             <a:fld id="{179EAAF2-1359-4DAA-92D0-EC18028594EE}" type="datetime1">
               <a:rPr lang="pt-BR" noProof="0" smtClean="0"/>
-              <a:t>11/03/2020</a:t>
+              <a:t>12/03/2020</a:t>
             </a:fld>
             <a:endParaRPr lang="pt-BR" noProof="0" dirty="0"/>
           </a:p>
@@ -3057,7 +3057,7 @@
             <a:pPr rtl="0"/>
             <a:fld id="{2A5E3AA6-3E77-4EDD-A5D3-91497A83F745}" type="datetime1">
               <a:rPr lang="pt-BR" noProof="0" smtClean="0"/>
-              <a:t>11/03/2020</a:t>
+              <a:t>12/03/2020</a:t>
             </a:fld>
             <a:endParaRPr lang="pt-BR" noProof="0" dirty="0"/>
           </a:p>
@@ -3329,7 +3329,7 @@
             <a:pPr rtl="0"/>
             <a:fld id="{0933B832-A218-4C52-AD98-17F0930C59CC}" type="datetime1">
               <a:rPr lang="pt-BR" noProof="0" smtClean="0"/>
-              <a:t>11/03/2020</a:t>
+              <a:t>12/03/2020</a:t>
             </a:fld>
             <a:endParaRPr lang="pt-BR" noProof="0" dirty="0"/>
           </a:p>
@@ -3748,7 +3748,7 @@
             <a:pPr rtl="0"/>
             <a:fld id="{8851457D-773F-4388-805A-0245A2DC7FA6}" type="datetime1">
               <a:rPr lang="pt-BR" noProof="0" smtClean="0"/>
-              <a:t>11/03/2020</a:t>
+              <a:t>12/03/2020</a:t>
             </a:fld>
             <a:endParaRPr lang="pt-BR" noProof="0" dirty="0"/>
           </a:p>
@@ -3894,7 +3894,7 @@
             <a:pPr rtl="0"/>
             <a:fld id="{E1BDAD40-2C61-41F0-AC0A-B8DA56506CF8}" type="datetime1">
               <a:rPr lang="pt-BR" noProof="0" smtClean="0"/>
-              <a:t>11/03/2020</a:t>
+              <a:t>12/03/2020</a:t>
             </a:fld>
             <a:endParaRPr lang="pt-BR" noProof="0" dirty="0"/>
           </a:p>
@@ -4010,7 +4010,7 @@
             <a:pPr rtl="0"/>
             <a:fld id="{335F0EE2-8399-4909-BF8E-74D816C91647}" type="datetime1">
               <a:rPr lang="pt-BR" noProof="0" smtClean="0"/>
-              <a:t>11/03/2020</a:t>
+              <a:t>12/03/2020</a:t>
             </a:fld>
             <a:endParaRPr lang="pt-BR" noProof="0" dirty="0"/>
           </a:p>
@@ -4327,7 +4327,7 @@
             <a:pPr rtl="0"/>
             <a:fld id="{7CC62C37-8077-44BC-A52B-E2531EDBA2DE}" type="datetime1">
               <a:rPr lang="pt-BR" noProof="0" smtClean="0"/>
-              <a:t>11/03/2020</a:t>
+              <a:t>12/03/2020</a:t>
             </a:fld>
             <a:endParaRPr lang="pt-BR" noProof="0" dirty="0"/>
           </a:p>
@@ -4625,7 +4625,7 @@
             <a:pPr rtl="0"/>
             <a:fld id="{7D4235C6-032F-4A2C-8BCF-60C0B3B0EFA5}" type="datetime1">
               <a:rPr lang="pt-BR" noProof="0" smtClean="0"/>
-              <a:t>11/03/2020</a:t>
+              <a:t>12/03/2020</a:t>
             </a:fld>
             <a:endParaRPr lang="pt-BR" noProof="0" dirty="0"/>
           </a:p>
@@ -4870,7 +4870,7 @@
             <a:pPr rtl="0"/>
             <a:fld id="{FEE00915-A8F3-468F-8237-A0B9291D1250}" type="datetime1">
               <a:rPr lang="pt-BR" noProof="0" smtClean="0"/>
-              <a:t>11/03/2020</a:t>
+              <a:t>12/03/2020</a:t>
             </a:fld>
             <a:endParaRPr lang="pt-BR" noProof="0" dirty="0"/>
           </a:p>
@@ -7634,11 +7634,11 @@
       </p:pic>
       <p:pic>
         <p:nvPicPr>
-          <p:cNvPr id="5" name="Imagem 4" descr="Tela preta com letras brancas&#10;&#10;Descrição gerada automaticamente">
+          <p:cNvPr id="4" name="Imagem 3">
             <a:hlinkClick r:id="rId3" action="ppaction://hlinkfile"/>
             <a:extLst>
               <a:ext uri="{FF2B5EF4-FFF2-40B4-BE49-F238E27FC236}">
-                <a16:creationId xmlns:a16="http://schemas.microsoft.com/office/drawing/2014/main" id="{E74DCA59-C5B2-41C9-BDD7-9DDE86AD165D}"/>
+                <a16:creationId xmlns:a16="http://schemas.microsoft.com/office/drawing/2014/main" id="{A2F4AC96-814C-466A-A009-A8A0FFC540C5}"/>
               </a:ext>
             </a:extLst>
           </p:cNvPr>
@@ -7661,8 +7661,8 @@
         </p:blipFill>
         <p:spPr>
           <a:xfrm>
-            <a:off x="540611" y="4074137"/>
-            <a:ext cx="10526005" cy="2593363"/>
+            <a:off x="540611" y="1739727"/>
+            <a:ext cx="10526005" cy="2143910"/>
           </a:xfrm>
           <a:prstGeom prst="rect">
             <a:avLst/>
@@ -7671,11 +7671,10 @@
       </p:pic>
       <p:pic>
         <p:nvPicPr>
-          <p:cNvPr id="4" name="Imagem 3">
-            <a:hlinkClick r:id="rId3" action="ppaction://hlinkfile"/>
-            <a:extLst>
-              <a:ext uri="{FF2B5EF4-FFF2-40B4-BE49-F238E27FC236}">
-                <a16:creationId xmlns:a16="http://schemas.microsoft.com/office/drawing/2014/main" id="{A2F4AC96-814C-466A-A009-A8A0FFC540C5}"/>
+          <p:cNvPr id="6" name="Imagem 5" descr="Tela de computador com fundo preto&#10;&#10;Descrição gerada automaticamente">
+            <a:extLst>
+              <a:ext uri="{FF2B5EF4-FFF2-40B4-BE49-F238E27FC236}">
+                <a16:creationId xmlns:a16="http://schemas.microsoft.com/office/drawing/2014/main" id="{A414F8EB-2940-46E8-BE90-ED8167F0C882}"/>
               </a:ext>
             </a:extLst>
           </p:cNvPr>
@@ -7698,8 +7697,8 @@
         </p:blipFill>
         <p:spPr>
           <a:xfrm>
-            <a:off x="540611" y="1739727"/>
-            <a:ext cx="10526005" cy="2143910"/>
+            <a:off x="540610" y="3883637"/>
+            <a:ext cx="10526005" cy="2747184"/>
           </a:xfrm>
           <a:prstGeom prst="rect">
             <a:avLst/>
@@ -8056,11 +8055,10 @@
       </p:pic>
       <p:pic>
         <p:nvPicPr>
-          <p:cNvPr id="5" name="Imagem 4" descr="Tela de celular com texto preto sobre fundo branco&#10;&#10;Descrição gerada automaticamente">
-            <a:hlinkClick r:id="rId3" action="ppaction://hlinkfile"/>
-            <a:extLst>
-              <a:ext uri="{FF2B5EF4-FFF2-40B4-BE49-F238E27FC236}">
-                <a16:creationId xmlns:a16="http://schemas.microsoft.com/office/drawing/2014/main" id="{FE18351C-7A60-4ED2-BF7C-EA517F69D1E3}"/>
+          <p:cNvPr id="4" name="Imagem 3" descr="Tela de celular com texto preto sobre fundo branco&#10;&#10;Descrição gerada automaticamente">
+            <a:extLst>
+              <a:ext uri="{FF2B5EF4-FFF2-40B4-BE49-F238E27FC236}">
+                <a16:creationId xmlns:a16="http://schemas.microsoft.com/office/drawing/2014/main" id="{72C7841D-5C0D-4964-B077-DEED78ECFCD9}"/>
               </a:ext>
             </a:extLst>
           </p:cNvPr>
@@ -8083,8 +8081,8 @@
         </p:blipFill>
         <p:spPr>
           <a:xfrm>
-            <a:off x="2721434" y="2176044"/>
-            <a:ext cx="6749131" cy="4541152"/>
+            <a:off x="2043112" y="2116449"/>
+            <a:ext cx="7023181" cy="5174222"/>
           </a:xfrm>
           <a:prstGeom prst="rect">
             <a:avLst/>
@@ -9774,7 +9772,7 @@
               <a:buChar char="•"/>
             </a:pPr>
             <a:r>
-              <a:rPr lang="pt-BR" dirty="0"/>
+              <a:rPr lang="pt-BR" b="1" dirty="0"/>
               <a:t>Problemas de gastos desnecessários </a:t>
             </a:r>
           </a:p>
@@ -9783,7 +9781,7 @@
               <a:buFont typeface="Arial" panose="020B0604020202020204" pitchFamily="34" charset="0"/>
               <a:buChar char="•"/>
             </a:pPr>
-            <a:endParaRPr lang="pt-BR" dirty="0"/>
+            <a:endParaRPr lang="pt-BR" b="1" dirty="0"/>
           </a:p>
           <a:p>
             <a:pPr marL="285750" indent="-285750">
@@ -9791,7 +9789,7 @@
               <a:buChar char="•"/>
             </a:pPr>
             <a:r>
-              <a:rPr lang="pt-BR" dirty="0"/>
+              <a:rPr lang="pt-BR" b="1" dirty="0"/>
               <a:t>Energia elétrica </a:t>
             </a:r>
           </a:p>
@@ -9800,24 +9798,24 @@
               <a:buFont typeface="Arial" panose="020B0604020202020204" pitchFamily="34" charset="0"/>
               <a:buChar char="•"/>
             </a:pPr>
-            <a:endParaRPr lang="pt-BR" dirty="0"/>
-          </a:p>
-          <a:p>
-            <a:endParaRPr lang="pt-BR" dirty="0"/>
+            <a:endParaRPr lang="pt-BR" b="1" dirty="0"/>
+          </a:p>
+          <a:p>
+            <a:endParaRPr lang="pt-BR" b="1" dirty="0"/>
           </a:p>
           <a:p>
             <a:pPr marL="285750" indent="-285750">
               <a:buFont typeface="Arial" panose="020B0604020202020204" pitchFamily="34" charset="0"/>
               <a:buChar char="•"/>
             </a:pPr>
-            <a:endParaRPr lang="pt-BR" dirty="0"/>
+            <a:endParaRPr lang="pt-BR" b="1" dirty="0"/>
           </a:p>
           <a:p>
             <a:pPr marL="285750" indent="-285750">
               <a:buFont typeface="Arial" panose="020B0604020202020204" pitchFamily="34" charset="0"/>
               <a:buChar char="•"/>
             </a:pPr>
-            <a:endParaRPr lang="pt-BR" dirty="0"/>
+            <a:endParaRPr lang="pt-BR" b="1" dirty="0"/>
           </a:p>
         </p:txBody>
       </p:sp>
@@ -10358,15 +10356,7 @@
             </a:pPr>
             <a:r>
               <a:rPr lang="pt-BR" b="1" dirty="0"/>
-              <a:t>40</a:t>
-            </a:r>
-            <a:r>
-              <a:rPr lang="pt-BR" b="1"/>
-              <a:t>% gastos </a:t>
-            </a:r>
-            <a:r>
-              <a:rPr lang="pt-BR" b="1" dirty="0"/>
-              <a:t>são com iluminação </a:t>
+              <a:t>24% gastos são com iluminação </a:t>
             </a:r>
           </a:p>
           <a:p>
@@ -10470,6 +10460,459 @@
           </a:prstGeom>
         </p:spPr>
       </p:pic>
+      <p:grpSp>
+        <p:nvGrpSpPr>
+          <p:cNvPr id="33" name="Agrupar 32">
+            <a:extLst>
+              <a:ext uri="{FF2B5EF4-FFF2-40B4-BE49-F238E27FC236}">
+                <a16:creationId xmlns:a16="http://schemas.microsoft.com/office/drawing/2014/main" id="{3D6A26D8-1310-4770-BAD3-C721702F03E4}"/>
+              </a:ext>
+            </a:extLst>
+          </p:cNvPr>
+          <p:cNvGrpSpPr/>
+          <p:nvPr/>
+        </p:nvGrpSpPr>
+        <p:grpSpPr>
+          <a:xfrm>
+            <a:off x="5611726" y="2164663"/>
+            <a:ext cx="5454890" cy="2753443"/>
+            <a:chOff x="5611726" y="2202701"/>
+            <a:chExt cx="5454890" cy="2753443"/>
+          </a:xfrm>
+        </p:grpSpPr>
+        <p:grpSp>
+          <p:nvGrpSpPr>
+            <p:cNvPr id="27" name="Agrupar 26">
+              <a:extLst>
+                <a:ext uri="{FF2B5EF4-FFF2-40B4-BE49-F238E27FC236}">
+                  <a16:creationId xmlns:a16="http://schemas.microsoft.com/office/drawing/2014/main" id="{46708A3B-B1BA-4D49-BF98-E2506E19E088}"/>
+                </a:ext>
+              </a:extLst>
+            </p:cNvPr>
+            <p:cNvGrpSpPr/>
+            <p:nvPr/>
+          </p:nvGrpSpPr>
+          <p:grpSpPr>
+            <a:xfrm>
+              <a:off x="5611726" y="2202701"/>
+              <a:ext cx="5454890" cy="2753443"/>
+              <a:chOff x="5796206" y="2252066"/>
+              <a:chExt cx="5454890" cy="2753443"/>
+            </a:xfrm>
+          </p:grpSpPr>
+          <p:pic>
+            <p:nvPicPr>
+              <p:cNvPr id="9" name="Imagem 8" descr="Tela de celular com texto preto sobre fundo branco&#10;&#10;Descrição gerada automaticamente">
+                <a:extLst>
+                  <a:ext uri="{FF2B5EF4-FFF2-40B4-BE49-F238E27FC236}">
+                    <a16:creationId xmlns:a16="http://schemas.microsoft.com/office/drawing/2014/main" id="{1787EBF1-C544-453B-BFE8-FA0365D23D52}"/>
+                  </a:ext>
+                </a:extLst>
+              </p:cNvPr>
+              <p:cNvPicPr>
+                <a:picLocks noChangeAspect="1"/>
+              </p:cNvPicPr>
+              <p:nvPr/>
+            </p:nvPicPr>
+            <p:blipFill rotWithShape="1">
+              <a:blip r:embed="rId8">
+                <a:extLst>
+                  <a:ext uri="{28A0092B-C50C-407E-A947-70E740481C1C}">
+                    <a14:useLocalDpi xmlns:a14="http://schemas.microsoft.com/office/drawing/2010/main" val="0"/>
+                  </a:ext>
+                </a:extLst>
+              </a:blip>
+              <a:srcRect l="3692" t="5734" r="6445" b="19228"/>
+              <a:stretch/>
+            </p:blipFill>
+            <p:spPr>
+              <a:xfrm>
+                <a:off x="5796206" y="2252066"/>
+                <a:ext cx="5454890" cy="2753443"/>
+              </a:xfrm>
+              <a:prstGeom prst="rect">
+                <a:avLst/>
+              </a:prstGeom>
+            </p:spPr>
+          </p:pic>
+          <p:sp>
+            <p:nvSpPr>
+              <p:cNvPr id="10" name="Retângulo 9">
+                <a:extLst>
+                  <a:ext uri="{FF2B5EF4-FFF2-40B4-BE49-F238E27FC236}">
+                    <a16:creationId xmlns:a16="http://schemas.microsoft.com/office/drawing/2014/main" id="{EDF6E433-202C-4B4F-828A-3584BABD2E72}"/>
+                  </a:ext>
+                </a:extLst>
+              </p:cNvPr>
+              <p:cNvSpPr/>
+              <p:nvPr/>
+            </p:nvSpPr>
+            <p:spPr>
+              <a:xfrm>
+                <a:off x="6798365" y="3926792"/>
+                <a:ext cx="397565" cy="208394"/>
+              </a:xfrm>
+              <a:prstGeom prst="rect">
+                <a:avLst/>
+              </a:prstGeom>
+              <a:solidFill>
+                <a:srgbClr val="9BBB59"/>
+              </a:solidFill>
+              <a:ln>
+                <a:solidFill>
+                  <a:srgbClr val="9BBB59"/>
+                </a:solidFill>
+              </a:ln>
+            </p:spPr>
+            <p:style>
+              <a:lnRef idx="2">
+                <a:schemeClr val="accent1">
+                  <a:shade val="50000"/>
+                </a:schemeClr>
+              </a:lnRef>
+              <a:fillRef idx="1">
+                <a:schemeClr val="accent1"/>
+              </a:fillRef>
+              <a:effectRef idx="0">
+                <a:schemeClr val="accent1"/>
+              </a:effectRef>
+              <a:fontRef idx="minor">
+                <a:schemeClr val="lt1"/>
+              </a:fontRef>
+            </p:style>
+            <p:txBody>
+              <a:bodyPr rtlCol="0" anchor="ctr"/>
+              <a:lstStyle/>
+              <a:p>
+                <a:pPr algn="ctr"/>
+                <a:endParaRPr lang="pt-BR"/>
+              </a:p>
+            </p:txBody>
+          </p:sp>
+          <p:sp>
+            <p:nvSpPr>
+              <p:cNvPr id="15" name="Retângulo 14">
+                <a:extLst>
+                  <a:ext uri="{FF2B5EF4-FFF2-40B4-BE49-F238E27FC236}">
+                    <a16:creationId xmlns:a16="http://schemas.microsoft.com/office/drawing/2014/main" id="{5053D069-4134-40F2-AE83-12D034369A81}"/>
+                  </a:ext>
+                </a:extLst>
+              </p:cNvPr>
+              <p:cNvSpPr/>
+              <p:nvPr/>
+            </p:nvSpPr>
+            <p:spPr>
+              <a:xfrm>
+                <a:off x="6851373" y="2910277"/>
+                <a:ext cx="516835" cy="298076"/>
+              </a:xfrm>
+              <a:prstGeom prst="rect">
+                <a:avLst/>
+              </a:prstGeom>
+              <a:solidFill>
+                <a:srgbClr val="8064A2"/>
+              </a:solidFill>
+              <a:ln>
+                <a:solidFill>
+                  <a:srgbClr val="8064A2"/>
+                </a:solidFill>
+              </a:ln>
+            </p:spPr>
+            <p:style>
+              <a:lnRef idx="2">
+                <a:schemeClr val="accent1">
+                  <a:shade val="50000"/>
+                </a:schemeClr>
+              </a:lnRef>
+              <a:fillRef idx="1">
+                <a:schemeClr val="accent1"/>
+              </a:fillRef>
+              <a:effectRef idx="0">
+                <a:schemeClr val="accent1"/>
+              </a:effectRef>
+              <a:fontRef idx="minor">
+                <a:schemeClr val="lt1"/>
+              </a:fontRef>
+            </p:style>
+            <p:txBody>
+              <a:bodyPr rtlCol="0" anchor="ctr"/>
+              <a:lstStyle/>
+              <a:p>
+                <a:pPr algn="ctr"/>
+                <a:endParaRPr lang="pt-BR"/>
+              </a:p>
+            </p:txBody>
+          </p:sp>
+          <p:sp>
+            <p:nvSpPr>
+              <p:cNvPr id="13" name="CaixaDeTexto 12">
+                <a:extLst>
+                  <a:ext uri="{FF2B5EF4-FFF2-40B4-BE49-F238E27FC236}">
+                    <a16:creationId xmlns:a16="http://schemas.microsoft.com/office/drawing/2014/main" id="{003EF695-D053-4AEC-A529-80010F85934A}"/>
+                  </a:ext>
+                </a:extLst>
+              </p:cNvPr>
+              <p:cNvSpPr txBox="1"/>
+              <p:nvPr/>
+            </p:nvSpPr>
+            <p:spPr>
+              <a:xfrm>
+                <a:off x="6798364" y="2871098"/>
+                <a:ext cx="821635" cy="307777"/>
+              </a:xfrm>
+              <a:prstGeom prst="rect">
+                <a:avLst/>
+              </a:prstGeom>
+              <a:noFill/>
+            </p:spPr>
+            <p:txBody>
+              <a:bodyPr wrap="square" rtlCol="0">
+                <a:spAutoFit/>
+              </a:bodyPr>
+              <a:lstStyle/>
+              <a:p>
+                <a:r>
+                  <a:rPr lang="pt-BR" sz="1400" dirty="0">
+                    <a:latin typeface="Arial Narrow" panose="020B0606020202030204" pitchFamily="34" charset="0"/>
+                  </a:rPr>
+                  <a:t>24%</a:t>
+                </a:r>
+              </a:p>
+            </p:txBody>
+          </p:sp>
+          <p:sp>
+            <p:nvSpPr>
+              <p:cNvPr id="17" name="CaixaDeTexto 16">
+                <a:extLst>
+                  <a:ext uri="{FF2B5EF4-FFF2-40B4-BE49-F238E27FC236}">
+                    <a16:creationId xmlns:a16="http://schemas.microsoft.com/office/drawing/2014/main" id="{753D6D33-1C62-40F4-999E-97C775CB854D}"/>
+                  </a:ext>
+                </a:extLst>
+              </p:cNvPr>
+              <p:cNvSpPr txBox="1"/>
+              <p:nvPr/>
+            </p:nvSpPr>
+            <p:spPr>
+              <a:xfrm>
+                <a:off x="6727455" y="3893788"/>
+                <a:ext cx="711662" cy="307777"/>
+              </a:xfrm>
+              <a:prstGeom prst="rect">
+                <a:avLst/>
+              </a:prstGeom>
+              <a:noFill/>
+            </p:spPr>
+            <p:txBody>
+              <a:bodyPr wrap="square" rtlCol="0">
+                <a:spAutoFit/>
+              </a:bodyPr>
+              <a:lstStyle/>
+              <a:p>
+                <a:r>
+                  <a:rPr lang="pt-BR" sz="1400" dirty="0">
+                    <a:latin typeface="Arial Narrow" panose="020B0606020202030204" pitchFamily="34" charset="0"/>
+                  </a:rPr>
+                  <a:t>21%</a:t>
+                </a:r>
+              </a:p>
+            </p:txBody>
+          </p:sp>
+          <p:pic>
+            <p:nvPicPr>
+              <p:cNvPr id="24" name="Imagem 23" descr="Tela de celular com texto preto sobre fundo branco&#10;&#10;Descrição gerada automaticamente">
+                <a:extLst>
+                  <a:ext uri="{FF2B5EF4-FFF2-40B4-BE49-F238E27FC236}">
+                    <a16:creationId xmlns:a16="http://schemas.microsoft.com/office/drawing/2014/main" id="{4EE840D4-DF46-4F81-9D8C-350DE4A2EE4A}"/>
+                  </a:ext>
+                </a:extLst>
+              </p:cNvPr>
+              <p:cNvPicPr>
+                <a:picLocks noChangeAspect="1"/>
+              </p:cNvPicPr>
+              <p:nvPr/>
+            </p:nvPicPr>
+            <p:blipFill rotWithShape="1">
+              <a:blip r:embed="rId8">
+                <a:extLst>
+                  <a:ext uri="{28A0092B-C50C-407E-A947-70E740481C1C}">
+                    <a14:useLocalDpi xmlns:a14="http://schemas.microsoft.com/office/drawing/2010/main" val="0"/>
+                  </a:ext>
+                </a:extLst>
+              </a:blip>
+              <a:srcRect l="69322" t="44538" r="6445" b="48955"/>
+              <a:stretch/>
+            </p:blipFill>
+            <p:spPr>
+              <a:xfrm>
+                <a:off x="9780104" y="3962789"/>
+                <a:ext cx="1470992" cy="238776"/>
+              </a:xfrm>
+              <a:prstGeom prst="rect">
+                <a:avLst/>
+              </a:prstGeom>
+            </p:spPr>
+          </p:pic>
+          <p:pic>
+            <p:nvPicPr>
+              <p:cNvPr id="26" name="Imagem 25" descr="Tela de celular com texto preto sobre fundo branco&#10;&#10;Descrição gerada automaticamente">
+                <a:extLst>
+                  <a:ext uri="{FF2B5EF4-FFF2-40B4-BE49-F238E27FC236}">
+                    <a16:creationId xmlns:a16="http://schemas.microsoft.com/office/drawing/2014/main" id="{7EBE6793-E23A-40D3-8B28-6BDA6E17CED8}"/>
+                  </a:ext>
+                </a:extLst>
+              </p:cNvPr>
+              <p:cNvPicPr>
+                <a:picLocks noChangeAspect="1"/>
+              </p:cNvPicPr>
+              <p:nvPr/>
+            </p:nvPicPr>
+            <p:blipFill rotWithShape="1">
+              <a:blip r:embed="rId8">
+                <a:extLst>
+                  <a:ext uri="{28A0092B-C50C-407E-A947-70E740481C1C}">
+                    <a14:useLocalDpi xmlns:a14="http://schemas.microsoft.com/office/drawing/2010/main" val="0"/>
+                  </a:ext>
+                </a:extLst>
+              </a:blip>
+              <a:srcRect l="69322" t="52530" r="16924" b="40963"/>
+              <a:stretch/>
+            </p:blipFill>
+            <p:spPr>
+              <a:xfrm>
+                <a:off x="9798362" y="3641629"/>
+                <a:ext cx="834887" cy="238776"/>
+              </a:xfrm>
+              <a:prstGeom prst="rect">
+                <a:avLst/>
+              </a:prstGeom>
+            </p:spPr>
+          </p:pic>
+          <p:sp>
+            <p:nvSpPr>
+              <p:cNvPr id="20" name="Retângulo 19">
+                <a:extLst>
+                  <a:ext uri="{FF2B5EF4-FFF2-40B4-BE49-F238E27FC236}">
+                    <a16:creationId xmlns:a16="http://schemas.microsoft.com/office/drawing/2014/main" id="{4B45E2C9-B6CE-4728-A0C0-C065EFB69577}"/>
+                  </a:ext>
+                </a:extLst>
+              </p:cNvPr>
+              <p:cNvSpPr/>
+              <p:nvPr/>
+            </p:nvSpPr>
+            <p:spPr>
+              <a:xfrm>
+                <a:off x="10633249" y="3641629"/>
+                <a:ext cx="160110" cy="232155"/>
+              </a:xfrm>
+              <a:prstGeom prst="rect">
+                <a:avLst/>
+              </a:prstGeom>
+              <a:solidFill>
+                <a:srgbClr val="FFFFFF"/>
+              </a:solidFill>
+              <a:ln>
+                <a:solidFill>
+                  <a:srgbClr val="FFFFFF"/>
+                </a:solidFill>
+              </a:ln>
+            </p:spPr>
+            <p:style>
+              <a:lnRef idx="2">
+                <a:schemeClr val="accent1">
+                  <a:shade val="50000"/>
+                </a:schemeClr>
+              </a:lnRef>
+              <a:fillRef idx="1">
+                <a:schemeClr val="accent1"/>
+              </a:fillRef>
+              <a:effectRef idx="0">
+                <a:schemeClr val="accent1"/>
+              </a:effectRef>
+              <a:fontRef idx="minor">
+                <a:schemeClr val="lt1"/>
+              </a:fontRef>
+            </p:style>
+            <p:txBody>
+              <a:bodyPr rtlCol="0" anchor="ctr"/>
+              <a:lstStyle/>
+              <a:p>
+                <a:pPr algn="ctr"/>
+                <a:endParaRPr lang="pt-BR"/>
+              </a:p>
+            </p:txBody>
+          </p:sp>
+        </p:grpSp>
+        <p:pic>
+          <p:nvPicPr>
+            <p:cNvPr id="30" name="Imagem 29" descr="Tela de celular com texto preto sobre fundo branco&#10;&#10;Descrição gerada automaticamente">
+              <a:extLst>
+                <a:ext uri="{FF2B5EF4-FFF2-40B4-BE49-F238E27FC236}">
+                  <a16:creationId xmlns:a16="http://schemas.microsoft.com/office/drawing/2014/main" id="{0545CDBD-0CE3-4B11-926F-F5BC4B88BA3D}"/>
+                </a:ext>
+              </a:extLst>
+            </p:cNvPr>
+            <p:cNvPicPr>
+              <a:picLocks noChangeAspect="1"/>
+            </p:cNvPicPr>
+            <p:nvPr/>
+          </p:nvPicPr>
+          <p:blipFill rotWithShape="1">
+            <a:blip r:embed="rId8">
+              <a:extLst>
+                <a:ext uri="{28A0092B-C50C-407E-A947-70E740481C1C}">
+                  <a14:useLocalDpi xmlns:a14="http://schemas.microsoft.com/office/drawing/2010/main" val="0"/>
+                </a:ext>
+              </a:extLst>
+            </a:blip>
+            <a:srcRect l="69322" t="44538" r="27650" b="50472"/>
+            <a:stretch/>
+          </p:blipFill>
+          <p:spPr>
+            <a:xfrm>
+              <a:off x="9609692" y="3606261"/>
+              <a:ext cx="183823" cy="183107"/>
+            </a:xfrm>
+            <a:prstGeom prst="rect">
+              <a:avLst/>
+            </a:prstGeom>
+          </p:spPr>
+        </p:pic>
+        <p:pic>
+          <p:nvPicPr>
+            <p:cNvPr id="32" name="Imagem 31" descr="Tela de celular com texto preto sobre fundo branco&#10;&#10;Descrição gerada automaticamente">
+              <a:extLst>
+                <a:ext uri="{FF2B5EF4-FFF2-40B4-BE49-F238E27FC236}">
+                  <a16:creationId xmlns:a16="http://schemas.microsoft.com/office/drawing/2014/main" id="{6FD03A63-0FB2-413B-964F-AE0371CF1805}"/>
+                </a:ext>
+              </a:extLst>
+            </p:cNvPr>
+            <p:cNvPicPr>
+              <a:picLocks noChangeAspect="1"/>
+            </p:cNvPicPr>
+            <p:nvPr/>
+          </p:nvPicPr>
+          <p:blipFill rotWithShape="1">
+            <a:blip r:embed="rId9">
+              <a:extLst>
+                <a:ext uri="{28A0092B-C50C-407E-A947-70E740481C1C}">
+                  <a14:useLocalDpi xmlns:a14="http://schemas.microsoft.com/office/drawing/2010/main" val="0"/>
+                </a:ext>
+              </a:extLst>
+            </a:blip>
+            <a:srcRect l="68780" t="53197" r="28253" b="43939"/>
+            <a:stretch/>
+          </p:blipFill>
+          <p:spPr>
+            <a:xfrm>
+              <a:off x="9566033" y="3921699"/>
+              <a:ext cx="182880" cy="106706"/>
+            </a:xfrm>
+            <a:prstGeom prst="rect">
+              <a:avLst/>
+            </a:prstGeom>
+          </p:spPr>
+        </p:pic>
+      </p:grpSp>
     </p:spTree>
     <p:extLst>
       <p:ext uri="{BB962C8B-B14F-4D97-AF65-F5344CB8AC3E}">
@@ -11163,7 +11606,9 @@
             <a:avLst/>
           </a:prstGeom>
           <a:solidFill>
-            <a:schemeClr val="accent2"/>
+            <a:schemeClr val="accent3">
+              <a:lumMod val="75000"/>
+            </a:schemeClr>
           </a:solidFill>
           <a:ln>
             <a:noFill/>
@@ -11194,7 +11639,7 @@
               <a:rPr lang="pt-BR" b="1" dirty="0">
                 <a:latin typeface="+mj-lt"/>
               </a:rPr>
-              <a:t>Solução da EVA</a:t>
+              <a:t>Nosso produto </a:t>
             </a:r>
           </a:p>
         </p:txBody>
@@ -11238,10 +11683,10 @@
       </p:pic>
       <p:pic>
         <p:nvPicPr>
-          <p:cNvPr id="4" name="Imagem 3" descr="Uma imagem contendo desenho&#10;&#10;Descrição gerada automaticamente">
-            <a:extLst>
-              <a:ext uri="{FF2B5EF4-FFF2-40B4-BE49-F238E27FC236}">
-                <a16:creationId xmlns:a16="http://schemas.microsoft.com/office/drawing/2014/main" id="{1C4FBB6E-6F82-4097-82B2-F767CDC0FCCB}"/>
+          <p:cNvPr id="9" name="Imagem 8">
+            <a:extLst>
+              <a:ext uri="{FF2B5EF4-FFF2-40B4-BE49-F238E27FC236}">
+                <a16:creationId xmlns:a16="http://schemas.microsoft.com/office/drawing/2014/main" id="{83139879-5A27-4F65-B31E-99D50F8A3917}"/>
               </a:ext>
             </a:extLst>
           </p:cNvPr>
@@ -11264,18 +11709,143 @@
         </p:blipFill>
         <p:spPr>
           <a:xfrm>
-            <a:off x="1413349" y="2095524"/>
-            <a:ext cx="9365301" cy="4387348"/>
+            <a:off x="1111309" y="2368884"/>
+            <a:ext cx="3830857" cy="3830857"/>
           </a:xfrm>
           <a:prstGeom prst="rect">
             <a:avLst/>
           </a:prstGeom>
         </p:spPr>
       </p:pic>
+      <p:pic>
+        <p:nvPicPr>
+          <p:cNvPr id="4" name="Imagem 3" descr="Uma imagem contendo atletismo, mesa&#10;&#10;Descrição gerada automaticamente">
+            <a:extLst>
+              <a:ext uri="{FF2B5EF4-FFF2-40B4-BE49-F238E27FC236}">
+                <a16:creationId xmlns:a16="http://schemas.microsoft.com/office/drawing/2014/main" id="{CA37D59F-07EF-4D56-8922-FAF0BE4FA158}"/>
+              </a:ext>
+            </a:extLst>
+          </p:cNvPr>
+          <p:cNvPicPr>
+            <a:picLocks noChangeAspect="1"/>
+          </p:cNvPicPr>
+          <p:nvPr/>
+        </p:nvPicPr>
+        <p:blipFill>
+          <a:blip r:embed="rId6">
+            <a:extLst>
+              <a:ext uri="{28A0092B-C50C-407E-A947-70E740481C1C}">
+                <a14:useLocalDpi xmlns:a14="http://schemas.microsoft.com/office/drawing/2010/main" val="0"/>
+              </a:ext>
+            </a:extLst>
+          </a:blip>
+          <a:stretch>
+            <a:fillRect/>
+          </a:stretch>
+        </p:blipFill>
+        <p:spPr>
+          <a:xfrm>
+            <a:off x="6096000" y="2196329"/>
+            <a:ext cx="4343616" cy="4343616"/>
+          </a:xfrm>
+          <a:prstGeom prst="rect">
+            <a:avLst/>
+          </a:prstGeom>
+        </p:spPr>
+      </p:pic>
+      <p:pic>
+        <p:nvPicPr>
+          <p:cNvPr id="10" name="Gráfico 9" descr="Dedo indicador apontando para a direita">
+            <a:extLst>
+              <a:ext uri="{FF2B5EF4-FFF2-40B4-BE49-F238E27FC236}">
+                <a16:creationId xmlns:a16="http://schemas.microsoft.com/office/drawing/2014/main" id="{96097265-992F-4F0C-8CA7-000EB60F3AB2}"/>
+              </a:ext>
+            </a:extLst>
+          </p:cNvPr>
+          <p:cNvPicPr>
+            <a:picLocks noChangeAspect="1"/>
+          </p:cNvPicPr>
+          <p:nvPr/>
+        </p:nvPicPr>
+        <p:blipFill>
+          <a:blip r:embed="rId7">
+            <a:extLst>
+              <a:ext uri="{28A0092B-C50C-407E-A947-70E740481C1C}">
+                <a14:useLocalDpi xmlns:a14="http://schemas.microsoft.com/office/drawing/2010/main" val="0"/>
+              </a:ext>
+              <a:ext uri="{96DAC541-7B7A-43D3-8B79-37D633B846F1}">
+                <asvg:svgBlip xmlns:asvg="http://schemas.microsoft.com/office/drawing/2016/SVG/main" r:embed="rId8"/>
+              </a:ext>
+            </a:extLst>
+          </a:blip>
+          <a:stretch>
+            <a:fillRect/>
+          </a:stretch>
+        </p:blipFill>
+        <p:spPr>
+          <a:xfrm>
+            <a:off x="270274" y="6120041"/>
+            <a:ext cx="725585" cy="725585"/>
+          </a:xfrm>
+          <a:prstGeom prst="rect">
+            <a:avLst/>
+          </a:prstGeom>
+        </p:spPr>
+      </p:pic>
+      <p:sp>
+        <p:nvSpPr>
+          <p:cNvPr id="3" name="Retângulo 2">
+            <a:extLst>
+              <a:ext uri="{FF2B5EF4-FFF2-40B4-BE49-F238E27FC236}">
+                <a16:creationId xmlns:a16="http://schemas.microsoft.com/office/drawing/2014/main" id="{7009FCC0-D42A-4377-8384-9AE6471D39DC}"/>
+              </a:ext>
+            </a:extLst>
+          </p:cNvPr>
+          <p:cNvSpPr/>
+          <p:nvPr/>
+        </p:nvSpPr>
+        <p:spPr>
+          <a:xfrm>
+            <a:off x="895176" y="6217733"/>
+            <a:ext cx="5038815" cy="369332"/>
+          </a:xfrm>
+          <a:prstGeom prst="rect">
+            <a:avLst/>
+          </a:prstGeom>
+        </p:spPr>
+        <p:txBody>
+          <a:bodyPr wrap="none">
+            <a:spAutoFit/>
+          </a:bodyPr>
+          <a:lstStyle/>
+          <a:p>
+            <a:r>
+              <a:rPr lang="pt-BR" dirty="0">
+                <a:solidFill>
+                  <a:schemeClr val="accent5"/>
+                </a:solidFill>
+                <a:hlinkClick r:id="rId9">
+                  <a:extLst>
+                    <a:ext uri="{A12FA001-AC4F-418D-AE19-62706E023703}">
+                      <ahyp:hlinkClr xmlns:ahyp="http://schemas.microsoft.com/office/drawing/2018/hyperlinkcolor" val="tx"/>
+                    </a:ext>
+                  </a:extLst>
+                </a:hlinkClick>
+              </a:rPr>
+              <a:t>https://www.chatron.pt/pt/tubo-solar/tubo-solar-2</a:t>
+            </a:r>
+            <a:endParaRPr lang="pt-BR" dirty="0">
+              <a:solidFill>
+                <a:schemeClr val="accent5"/>
+              </a:solidFill>
+            </a:endParaRPr>
+          </a:p>
+        </p:txBody>
+      </p:sp>
     </p:spTree>
     <p:extLst>
       <p:ext uri="{BB962C8B-B14F-4D97-AF65-F5344CB8AC3E}">
-        <p14:creationId xmlns:p14="http://schemas.microsoft.com/office/powerpoint/2010/main" val="3222031093"/>
+        <p14:creationId xmlns:p14="http://schemas.microsoft.com/office/powerpoint/2010/main" val="3762852065"/>
       </p:ext>
     </p:extLst>
   </p:cSld>
@@ -11990,9 +12560,7 @@
             <a:avLst/>
           </a:prstGeom>
           <a:solidFill>
-            <a:schemeClr val="accent3">
-              <a:lumMod val="75000"/>
-            </a:schemeClr>
+            <a:schemeClr val="accent2"/>
           </a:solidFill>
           <a:ln>
             <a:noFill/>
@@ -12023,7 +12591,7 @@
               <a:rPr lang="pt-BR" b="1" dirty="0">
                 <a:latin typeface="+mj-lt"/>
               </a:rPr>
-              <a:t>Nosso produto </a:t>
+              <a:t>Solução da EVA</a:t>
             </a:r>
           </a:p>
         </p:txBody>
@@ -12067,10 +12635,10 @@
       </p:pic>
       <p:pic>
         <p:nvPicPr>
-          <p:cNvPr id="9" name="Imagem 8">
-            <a:extLst>
-              <a:ext uri="{FF2B5EF4-FFF2-40B4-BE49-F238E27FC236}">
-                <a16:creationId xmlns:a16="http://schemas.microsoft.com/office/drawing/2014/main" id="{83139879-5A27-4F65-B31E-99D50F8A3917}"/>
+          <p:cNvPr id="4" name="Imagem 3" descr="Uma imagem contendo desenho&#10;&#10;Descrição gerada automaticamente">
+            <a:extLst>
+              <a:ext uri="{FF2B5EF4-FFF2-40B4-BE49-F238E27FC236}">
+                <a16:creationId xmlns:a16="http://schemas.microsoft.com/office/drawing/2014/main" id="{1C4FBB6E-6F82-4097-82B2-F767CDC0FCCB}"/>
               </a:ext>
             </a:extLst>
           </p:cNvPr>
@@ -12093,143 +12661,18 @@
         </p:blipFill>
         <p:spPr>
           <a:xfrm>
-            <a:off x="1111309" y="2368884"/>
-            <a:ext cx="3830857" cy="3830857"/>
+            <a:off x="1413349" y="2095524"/>
+            <a:ext cx="9365301" cy="4387348"/>
           </a:xfrm>
           <a:prstGeom prst="rect">
             <a:avLst/>
           </a:prstGeom>
         </p:spPr>
       </p:pic>
-      <p:pic>
-        <p:nvPicPr>
-          <p:cNvPr id="4" name="Imagem 3" descr="Uma imagem contendo atletismo, mesa&#10;&#10;Descrição gerada automaticamente">
-            <a:extLst>
-              <a:ext uri="{FF2B5EF4-FFF2-40B4-BE49-F238E27FC236}">
-                <a16:creationId xmlns:a16="http://schemas.microsoft.com/office/drawing/2014/main" id="{CA37D59F-07EF-4D56-8922-FAF0BE4FA158}"/>
-              </a:ext>
-            </a:extLst>
-          </p:cNvPr>
-          <p:cNvPicPr>
-            <a:picLocks noChangeAspect="1"/>
-          </p:cNvPicPr>
-          <p:nvPr/>
-        </p:nvPicPr>
-        <p:blipFill>
-          <a:blip r:embed="rId6">
-            <a:extLst>
-              <a:ext uri="{28A0092B-C50C-407E-A947-70E740481C1C}">
-                <a14:useLocalDpi xmlns:a14="http://schemas.microsoft.com/office/drawing/2010/main" val="0"/>
-              </a:ext>
-            </a:extLst>
-          </a:blip>
-          <a:stretch>
-            <a:fillRect/>
-          </a:stretch>
-        </p:blipFill>
-        <p:spPr>
-          <a:xfrm>
-            <a:off x="6096000" y="2196329"/>
-            <a:ext cx="4343616" cy="4343616"/>
-          </a:xfrm>
-          <a:prstGeom prst="rect">
-            <a:avLst/>
-          </a:prstGeom>
-        </p:spPr>
-      </p:pic>
-      <p:pic>
-        <p:nvPicPr>
-          <p:cNvPr id="10" name="Gráfico 9" descr="Dedo indicador apontando para a direita">
-            <a:extLst>
-              <a:ext uri="{FF2B5EF4-FFF2-40B4-BE49-F238E27FC236}">
-                <a16:creationId xmlns:a16="http://schemas.microsoft.com/office/drawing/2014/main" id="{96097265-992F-4F0C-8CA7-000EB60F3AB2}"/>
-              </a:ext>
-            </a:extLst>
-          </p:cNvPr>
-          <p:cNvPicPr>
-            <a:picLocks noChangeAspect="1"/>
-          </p:cNvPicPr>
-          <p:nvPr/>
-        </p:nvPicPr>
-        <p:blipFill>
-          <a:blip r:embed="rId7">
-            <a:extLst>
-              <a:ext uri="{28A0092B-C50C-407E-A947-70E740481C1C}">
-                <a14:useLocalDpi xmlns:a14="http://schemas.microsoft.com/office/drawing/2010/main" val="0"/>
-              </a:ext>
-              <a:ext uri="{96DAC541-7B7A-43D3-8B79-37D633B846F1}">
-                <asvg:svgBlip xmlns:asvg="http://schemas.microsoft.com/office/drawing/2016/SVG/main" r:embed="rId8"/>
-              </a:ext>
-            </a:extLst>
-          </a:blip>
-          <a:stretch>
-            <a:fillRect/>
-          </a:stretch>
-        </p:blipFill>
-        <p:spPr>
-          <a:xfrm>
-            <a:off x="270274" y="6120041"/>
-            <a:ext cx="725585" cy="725585"/>
-          </a:xfrm>
-          <a:prstGeom prst="rect">
-            <a:avLst/>
-          </a:prstGeom>
-        </p:spPr>
-      </p:pic>
-      <p:sp>
-        <p:nvSpPr>
-          <p:cNvPr id="3" name="Retângulo 2">
-            <a:extLst>
-              <a:ext uri="{FF2B5EF4-FFF2-40B4-BE49-F238E27FC236}">
-                <a16:creationId xmlns:a16="http://schemas.microsoft.com/office/drawing/2014/main" id="{7009FCC0-D42A-4377-8384-9AE6471D39DC}"/>
-              </a:ext>
-            </a:extLst>
-          </p:cNvPr>
-          <p:cNvSpPr/>
-          <p:nvPr/>
-        </p:nvSpPr>
-        <p:spPr>
-          <a:xfrm>
-            <a:off x="895176" y="6217733"/>
-            <a:ext cx="5038815" cy="369332"/>
-          </a:xfrm>
-          <a:prstGeom prst="rect">
-            <a:avLst/>
-          </a:prstGeom>
-        </p:spPr>
-        <p:txBody>
-          <a:bodyPr wrap="none">
-            <a:spAutoFit/>
-          </a:bodyPr>
-          <a:lstStyle/>
-          <a:p>
-            <a:r>
-              <a:rPr lang="pt-BR" dirty="0">
-                <a:solidFill>
-                  <a:schemeClr val="accent5"/>
-                </a:solidFill>
-                <a:hlinkClick r:id="rId9">
-                  <a:extLst>
-                    <a:ext uri="{A12FA001-AC4F-418D-AE19-62706E023703}">
-                      <ahyp:hlinkClr xmlns:ahyp="http://schemas.microsoft.com/office/drawing/2018/hyperlinkcolor" val="tx"/>
-                    </a:ext>
-                  </a:extLst>
-                </a:hlinkClick>
-              </a:rPr>
-              <a:t>https://www.chatron.pt/pt/tubo-solar/tubo-solar-2</a:t>
-            </a:r>
-            <a:endParaRPr lang="pt-BR" dirty="0">
-              <a:solidFill>
-                <a:schemeClr val="accent5"/>
-              </a:solidFill>
-            </a:endParaRPr>
-          </a:p>
-        </p:txBody>
-      </p:sp>
     </p:spTree>
     <p:extLst>
       <p:ext uri="{BB962C8B-B14F-4D97-AF65-F5344CB8AC3E}">
-        <p14:creationId xmlns:p14="http://schemas.microsoft.com/office/powerpoint/2010/main" val="3762852065"/>
+        <p14:creationId xmlns:p14="http://schemas.microsoft.com/office/powerpoint/2010/main" val="3222031093"/>
       </p:ext>
     </p:extLst>
   </p:cSld>

--- a/APRESENTAÇÃO/Sprint 1 ATUALIZADO 1 [Salvo automaticamente].pptx
+++ b/APRESENTAÇÃO/Sprint 1 ATUALIZADO 1 [Salvo automaticamente].pptx
@@ -8471,8 +8471,48 @@
         </p:blipFill>
         <p:spPr>
           <a:xfrm>
-            <a:off x="1886619" y="2173609"/>
+            <a:off x="730876" y="2173609"/>
             <a:ext cx="8418761" cy="5479805"/>
+          </a:xfrm>
+          <a:prstGeom prst="rect">
+            <a:avLst/>
+          </a:prstGeom>
+        </p:spPr>
+      </p:pic>
+      <p:pic>
+        <p:nvPicPr>
+          <p:cNvPr id="6" name="Imagem 5">
+            <a:hlinkClick r:id="rId7"/>
+            <a:extLst>
+              <a:ext uri="{FF2B5EF4-FFF2-40B4-BE49-F238E27FC236}">
+                <a16:creationId xmlns:a16="http://schemas.microsoft.com/office/drawing/2014/main" id="{68AF11D7-67E0-4F5C-9611-F7EC0AF51E09}"/>
+              </a:ext>
+            </a:extLst>
+          </p:cNvPr>
+          <p:cNvPicPr>
+            <a:picLocks noChangeAspect="1"/>
+          </p:cNvPicPr>
+          <p:nvPr/>
+        </p:nvPicPr>
+        <p:blipFill>
+          <a:blip r:embed="rId8">
+            <a:extLst>
+              <a:ext uri="{28A0092B-C50C-407E-A947-70E740481C1C}">
+                <a14:useLocalDpi xmlns:a14="http://schemas.microsoft.com/office/drawing/2010/main" val="0"/>
+              </a:ext>
+              <a:ext uri="{837473B0-CC2E-450A-ABE3-18F120FF3D39}">
+                <a1611:picAttrSrcUrl xmlns:a1611="http://schemas.microsoft.com/office/drawing/2016/11/main" r:id="rId9"/>
+              </a:ext>
+            </a:extLst>
+          </a:blip>
+          <a:stretch>
+            <a:fillRect/>
+          </a:stretch>
+        </p:blipFill>
+        <p:spPr>
+          <a:xfrm>
+            <a:off x="7800455" y="2219692"/>
+            <a:ext cx="4113068" cy="3619500"/>
           </a:xfrm>
           <a:prstGeom prst="rect">
             <a:avLst/>
@@ -8842,7 +8882,7 @@
         <p:spPr>
           <a:xfrm>
             <a:off x="2043112" y="2188859"/>
-            <a:ext cx="4267200" cy="2585323"/>
+            <a:ext cx="4267200" cy="2031325"/>
           </a:xfrm>
           <a:prstGeom prst="rect">
             <a:avLst/>
@@ -8890,7 +8930,7 @@
             </a:r>
             <a:r>
               <a:rPr lang="pt-BR" b="1" dirty="0"/>
-              <a:t> clone = cola arquivo </a:t>
+              <a:t> clone</a:t>
             </a:r>
           </a:p>
           <a:p>
@@ -8919,7 +8959,7 @@
             </a:r>
             <a:r>
               <a:rPr lang="pt-BR" b="1" dirty="0"/>
-              <a:t> = pega arquivo</a:t>
+              <a:t> </a:t>
             </a:r>
           </a:p>
           <a:p>
@@ -8935,26 +8975,13 @@
               <a:buChar char="•"/>
             </a:pPr>
             <a:r>
-              <a:rPr lang="pt-BR" b="1" dirty="0"/>
-              <a:t> </a:t>
-            </a:r>
-            <a:r>
               <a:rPr lang="pt-BR" b="1" dirty="0" err="1"/>
               <a:t>Git</a:t>
             </a:r>
             <a:r>
               <a:rPr lang="pt-BR" b="1" dirty="0"/>
-              <a:t> status = vê se tem alguma</a:t>
-            </a:r>
-          </a:p>
-          <a:p>
-            <a:r>
-              <a:rPr lang="pt-BR" b="1" dirty="0"/>
-              <a:t>     alteração </a:t>
-            </a:r>
-          </a:p>
-          <a:p>
-            <a:endParaRPr lang="pt-BR" b="1" dirty="0"/>
+              <a:t> status</a:t>
+            </a:r>
           </a:p>
         </p:txBody>
       </p:sp>
@@ -8972,7 +8999,7 @@
         </p:nvSpPr>
         <p:spPr>
           <a:xfrm>
-            <a:off x="6096000" y="2378881"/>
+            <a:off x="6096000" y="2690336"/>
             <a:ext cx="4784035" cy="1477328"/>
           </a:xfrm>
           <a:prstGeom prst="rect">
@@ -9004,7 +9031,7 @@
             </a:r>
             <a:r>
               <a:rPr lang="pt-BR" b="1" dirty="0"/>
-              <a:t> . = adiciona aos alterados</a:t>
+              <a:t> . </a:t>
             </a:r>
           </a:p>
           <a:p>
@@ -9065,7 +9092,7 @@
             </a:r>
             <a:r>
               <a:rPr lang="pt-BR" b="1" dirty="0"/>
-              <a:t> = envia os arquivos atualizados</a:t>
+              <a:t> </a:t>
             </a:r>
           </a:p>
         </p:txBody>
